--- a/static/presentations/dark_modern.pptx
+++ b/static/presentations/dark_modern.pptx
@@ -2,7 +2,7 @@
 <file path=ppt/presentation.xml><?xml version="1.0" encoding="utf-8"?>
 <p:presentation xmlns:a="http://schemas.openxmlformats.org/drawingml/2006/main" xmlns:r="http://schemas.openxmlformats.org/officeDocument/2006/relationships" xmlns:p="http://schemas.openxmlformats.org/presentationml/2006/main" embedTrueTypeFonts="1" saveSubsetFonts="1">
   <p:sldMasterIdLst>
-    <p:sldMasterId id="2147483761" r:id="rId1"/>
+    <p:sldMasterId id="2147483773" r:id="rId1"/>
   </p:sldMasterIdLst>
   <p:sldIdLst>
     <p:sldId id="256" r:id="rId2"/>
@@ -30,9 +30,9 @@
   </p:embeddedFontLst>
   <p:defaultTextStyle>
     <a:defPPr>
-      <a:defRPr lang="en-JP"/>
+      <a:defRPr lang="en-US"/>
     </a:defPPr>
-    <a:lvl1pPr marL="0" algn="l" defTabSz="914400" rtl="0" eaLnBrk="1" latinLnBrk="0" hangingPunct="1">
+    <a:lvl1pPr marL="0" algn="l" defTabSz="457200" rtl="0" eaLnBrk="1" latinLnBrk="0" hangingPunct="1">
       <a:defRPr sz="1800" kern="1200">
         <a:solidFill>
           <a:schemeClr val="tx1"/>
@@ -42,7 +42,7 @@
         <a:cs typeface="+mn-cs"/>
       </a:defRPr>
     </a:lvl1pPr>
-    <a:lvl2pPr marL="457200" algn="l" defTabSz="914400" rtl="0" eaLnBrk="1" latinLnBrk="0" hangingPunct="1">
+    <a:lvl2pPr marL="457200" algn="l" defTabSz="457200" rtl="0" eaLnBrk="1" latinLnBrk="0" hangingPunct="1">
       <a:defRPr sz="1800" kern="1200">
         <a:solidFill>
           <a:schemeClr val="tx1"/>
@@ -52,7 +52,7 @@
         <a:cs typeface="+mn-cs"/>
       </a:defRPr>
     </a:lvl2pPr>
-    <a:lvl3pPr marL="914400" algn="l" defTabSz="914400" rtl="0" eaLnBrk="1" latinLnBrk="0" hangingPunct="1">
+    <a:lvl3pPr marL="914400" algn="l" defTabSz="457200" rtl="0" eaLnBrk="1" latinLnBrk="0" hangingPunct="1">
       <a:defRPr sz="1800" kern="1200">
         <a:solidFill>
           <a:schemeClr val="tx1"/>
@@ -62,7 +62,7 @@
         <a:cs typeface="+mn-cs"/>
       </a:defRPr>
     </a:lvl3pPr>
-    <a:lvl4pPr marL="1371600" algn="l" defTabSz="914400" rtl="0" eaLnBrk="1" latinLnBrk="0" hangingPunct="1">
+    <a:lvl4pPr marL="1371600" algn="l" defTabSz="457200" rtl="0" eaLnBrk="1" latinLnBrk="0" hangingPunct="1">
       <a:defRPr sz="1800" kern="1200">
         <a:solidFill>
           <a:schemeClr val="tx1"/>
@@ -72,7 +72,7 @@
         <a:cs typeface="+mn-cs"/>
       </a:defRPr>
     </a:lvl4pPr>
-    <a:lvl5pPr marL="1828800" algn="l" defTabSz="914400" rtl="0" eaLnBrk="1" latinLnBrk="0" hangingPunct="1">
+    <a:lvl5pPr marL="1828800" algn="l" defTabSz="457200" rtl="0" eaLnBrk="1" latinLnBrk="0" hangingPunct="1">
       <a:defRPr sz="1800" kern="1200">
         <a:solidFill>
           <a:schemeClr val="tx1"/>
@@ -82,7 +82,7 @@
         <a:cs typeface="+mn-cs"/>
       </a:defRPr>
     </a:lvl5pPr>
-    <a:lvl6pPr marL="2286000" algn="l" defTabSz="914400" rtl="0" eaLnBrk="1" latinLnBrk="0" hangingPunct="1">
+    <a:lvl6pPr marL="2286000" algn="l" defTabSz="457200" rtl="0" eaLnBrk="1" latinLnBrk="0" hangingPunct="1">
       <a:defRPr sz="1800" kern="1200">
         <a:solidFill>
           <a:schemeClr val="tx1"/>
@@ -92,7 +92,7 @@
         <a:cs typeface="+mn-cs"/>
       </a:defRPr>
     </a:lvl6pPr>
-    <a:lvl7pPr marL="2743200" algn="l" defTabSz="914400" rtl="0" eaLnBrk="1" latinLnBrk="0" hangingPunct="1">
+    <a:lvl7pPr marL="2743200" algn="l" defTabSz="457200" rtl="0" eaLnBrk="1" latinLnBrk="0" hangingPunct="1">
       <a:defRPr sz="1800" kern="1200">
         <a:solidFill>
           <a:schemeClr val="tx1"/>
@@ -102,7 +102,7 @@
         <a:cs typeface="+mn-cs"/>
       </a:defRPr>
     </a:lvl7pPr>
-    <a:lvl8pPr marL="3200400" algn="l" defTabSz="914400" rtl="0" eaLnBrk="1" latinLnBrk="0" hangingPunct="1">
+    <a:lvl8pPr marL="3200400" algn="l" defTabSz="457200" rtl="0" eaLnBrk="1" latinLnBrk="0" hangingPunct="1">
       <a:defRPr sz="1800" kern="1200">
         <a:solidFill>
           <a:schemeClr val="tx1"/>
@@ -112,7 +112,7 @@
         <a:cs typeface="+mn-cs"/>
       </a:defRPr>
     </a:lvl8pPr>
-    <a:lvl9pPr marL="3657600" algn="l" defTabSz="914400" rtl="0" eaLnBrk="1" latinLnBrk="0" hangingPunct="1">
+    <a:lvl9pPr marL="3657600" algn="l" defTabSz="457200" rtl="0" eaLnBrk="1" latinLnBrk="0" hangingPunct="1">
       <a:defRPr sz="1800" kern="1200">
         <a:solidFill>
           <a:schemeClr val="tx1"/>
@@ -143,7 +143,7 @@
 </file>
 
 <file path=ppt/slideLayouts/slideLayout1.xml><?xml version="1.0" encoding="utf-8"?>
-<p:sldLayout xmlns:a="http://schemas.openxmlformats.org/drawingml/2006/main" xmlns:r="http://schemas.openxmlformats.org/officeDocument/2006/relationships" xmlns:p="http://schemas.openxmlformats.org/presentationml/2006/main" showMasterSp="0" type="title" preserve="1">
+<p:sldLayout xmlns:a="http://schemas.openxmlformats.org/drawingml/2006/main" xmlns:r="http://schemas.openxmlformats.org/officeDocument/2006/relationships" xmlns:p="http://schemas.openxmlformats.org/presentationml/2006/main" type="title" preserve="1">
   <p:cSld name="Title Slide">
     <p:spTree>
       <p:nvGrpSpPr>
@@ -161,13 +161,7 @@
       </p:grpSpPr>
       <p:sp>
         <p:nvSpPr>
-          <p:cNvPr id="2" name="Title 1">
-            <a:extLst>
-              <a:ext uri="{FF2B5EF4-FFF2-40B4-BE49-F238E27FC236}">
-                <a16:creationId xmlns:a16="http://schemas.microsoft.com/office/drawing/2014/main" id="{C821A8C2-4443-902C-5D4B-14DF44A3D2E5}"/>
-              </a:ext>
-            </a:extLst>
-          </p:cNvPr>
+          <p:cNvPr id="2" name="Title 1"/>
           <p:cNvSpPr>
             <a:spLocks noGrp="1"/>
           </p:cNvSpPr>
@@ -193,19 +187,13 @@
               <a:rPr lang="en-US"/>
               <a:t>Click to edit Master title style</a:t>
             </a:r>
-            <a:endParaRPr lang="en-JP"/>
-          </a:p>
-        </p:txBody>
-      </p:sp>
-      <p:sp>
-        <p:nvSpPr>
-          <p:cNvPr id="3" name="Subtitle 2">
-            <a:extLst>
-              <a:ext uri="{FF2B5EF4-FFF2-40B4-BE49-F238E27FC236}">
-                <a16:creationId xmlns:a16="http://schemas.microsoft.com/office/drawing/2014/main" id="{BD10EB3A-D6BC-83DF-4DEE-9DA05310D1E1}"/>
-              </a:ext>
-            </a:extLst>
-          </p:cNvPr>
+            <a:endParaRPr lang="en-US" dirty="0"/>
+          </a:p>
+        </p:txBody>
+      </p:sp>
+      <p:sp>
+        <p:nvSpPr>
+          <p:cNvPr id="3" name="Subtitle 2"/>
           <p:cNvSpPr>
             <a:spLocks noGrp="1"/>
           </p:cNvSpPr>
@@ -264,19 +252,13 @@
               <a:rPr lang="en-US"/>
               <a:t>Click to edit Master subtitle style</a:t>
             </a:r>
-            <a:endParaRPr lang="en-JP"/>
-          </a:p>
-        </p:txBody>
-      </p:sp>
-      <p:sp>
-        <p:nvSpPr>
-          <p:cNvPr id="4" name="Date Placeholder 3">
-            <a:extLst>
-              <a:ext uri="{FF2B5EF4-FFF2-40B4-BE49-F238E27FC236}">
-                <a16:creationId xmlns:a16="http://schemas.microsoft.com/office/drawing/2014/main" id="{5FA86F26-9411-849E-B663-2D8647044FF7}"/>
-              </a:ext>
-            </a:extLst>
-          </p:cNvPr>
+            <a:endParaRPr lang="en-US" dirty="0"/>
+          </a:p>
+        </p:txBody>
+      </p:sp>
+      <p:sp>
+        <p:nvSpPr>
+          <p:cNvPr id="4" name="Date Placeholder 3"/>
           <p:cNvSpPr>
             <a:spLocks noGrp="1"/>
           </p:cNvSpPr>
@@ -292,7 +274,7 @@
             <a:fld id="{1D8BD707-D9CF-40AE-B4C6-C98DA3205C09}" type="datetimeFigureOut">
               <a:rPr lang="en-US" smtClean="0"/>
               <a:pPr/>
-              <a:t>7/3/23</a:t>
+              <a:t>7/19/23</a:t>
             </a:fld>
             <a:endParaRPr lang="en-US"/>
           </a:p>
@@ -300,13 +282,7 @@
       </p:sp>
       <p:sp>
         <p:nvSpPr>
-          <p:cNvPr id="5" name="Footer Placeholder 4">
-            <a:extLst>
-              <a:ext uri="{FF2B5EF4-FFF2-40B4-BE49-F238E27FC236}">
-                <a16:creationId xmlns:a16="http://schemas.microsoft.com/office/drawing/2014/main" id="{33E296D6-0706-1193-936D-CA689D574E27}"/>
-              </a:ext>
-            </a:extLst>
-          </p:cNvPr>
+          <p:cNvPr id="5" name="Footer Placeholder 4"/>
           <p:cNvSpPr>
             <a:spLocks noGrp="1"/>
           </p:cNvSpPr>
@@ -325,13 +301,7 @@
       </p:sp>
       <p:sp>
         <p:nvSpPr>
-          <p:cNvPr id="6" name="Slide Number Placeholder 5">
-            <a:extLst>
-              <a:ext uri="{FF2B5EF4-FFF2-40B4-BE49-F238E27FC236}">
-                <a16:creationId xmlns:a16="http://schemas.microsoft.com/office/drawing/2014/main" id="{39DF003C-897B-85EF-9DBB-D44344FABC43}"/>
-              </a:ext>
-            </a:extLst>
-          </p:cNvPr>
+          <p:cNvPr id="6" name="Slide Number Placeholder 5"/>
           <p:cNvSpPr>
             <a:spLocks noGrp="1"/>
           </p:cNvSpPr>
@@ -356,7 +326,7 @@
     </p:spTree>
     <p:extLst>
       <p:ext uri="{BB962C8B-B14F-4D97-AF65-F5344CB8AC3E}">
-        <p14:creationId xmlns:p14="http://schemas.microsoft.com/office/powerpoint/2010/main" val="612541016"/>
+        <p14:creationId xmlns:p14="http://schemas.microsoft.com/office/powerpoint/2010/main" val="908211306"/>
       </p:ext>
     </p:extLst>
   </p:cSld>
@@ -367,7 +337,7 @@
 </file>
 
 <file path=ppt/slideLayouts/slideLayout10.xml><?xml version="1.0" encoding="utf-8"?>
-<p:sldLayout xmlns:a="http://schemas.openxmlformats.org/drawingml/2006/main" xmlns:r="http://schemas.openxmlformats.org/officeDocument/2006/relationships" xmlns:p="http://schemas.openxmlformats.org/presentationml/2006/main" showMasterSp="0" type="vertTx" preserve="1">
+<p:sldLayout xmlns:a="http://schemas.openxmlformats.org/drawingml/2006/main" xmlns:r="http://schemas.openxmlformats.org/officeDocument/2006/relationships" xmlns:p="http://schemas.openxmlformats.org/presentationml/2006/main" type="vertTx" preserve="1">
   <p:cSld name="Title and Vertical Text">
     <p:spTree>
       <p:nvGrpSpPr>
@@ -385,13 +355,7 @@
       </p:grpSpPr>
       <p:sp>
         <p:nvSpPr>
-          <p:cNvPr id="2" name="Title 1">
-            <a:extLst>
-              <a:ext uri="{FF2B5EF4-FFF2-40B4-BE49-F238E27FC236}">
-                <a16:creationId xmlns:a16="http://schemas.microsoft.com/office/drawing/2014/main" id="{E406C979-988C-B308-3FE9-E6ADD4BA7554}"/>
-              </a:ext>
-            </a:extLst>
-          </p:cNvPr>
+          <p:cNvPr id="2" name="Title 1"/>
           <p:cNvSpPr>
             <a:spLocks noGrp="1"/>
           </p:cNvSpPr>
@@ -408,19 +372,13 @@
               <a:rPr lang="en-US"/>
               <a:t>Click to edit Master title style</a:t>
             </a:r>
-            <a:endParaRPr lang="en-JP"/>
-          </a:p>
-        </p:txBody>
-      </p:sp>
-      <p:sp>
-        <p:nvSpPr>
-          <p:cNvPr id="3" name="Vertical Text Placeholder 2">
-            <a:extLst>
-              <a:ext uri="{FF2B5EF4-FFF2-40B4-BE49-F238E27FC236}">
-                <a16:creationId xmlns:a16="http://schemas.microsoft.com/office/drawing/2014/main" id="{DC7B1A5D-3B71-D302-192B-6B00CEC99B66}"/>
-              </a:ext>
-            </a:extLst>
-          </p:cNvPr>
+            <a:endParaRPr lang="en-US" dirty="0"/>
+          </a:p>
+        </p:txBody>
+      </p:sp>
+      <p:sp>
+        <p:nvSpPr>
+          <p:cNvPr id="3" name="Vertical Text Placeholder 2"/>
           <p:cNvSpPr>
             <a:spLocks noGrp="1"/>
           </p:cNvSpPr>
@@ -466,19 +424,13 @@
               <a:rPr lang="en-US"/>
               <a:t>Fifth level</a:t>
             </a:r>
-            <a:endParaRPr lang="en-JP"/>
-          </a:p>
-        </p:txBody>
-      </p:sp>
-      <p:sp>
-        <p:nvSpPr>
-          <p:cNvPr id="4" name="Date Placeholder 3">
-            <a:extLst>
-              <a:ext uri="{FF2B5EF4-FFF2-40B4-BE49-F238E27FC236}">
-                <a16:creationId xmlns:a16="http://schemas.microsoft.com/office/drawing/2014/main" id="{C8C10FA9-2FE3-80F4-A137-C7E4E9FA5148}"/>
-              </a:ext>
-            </a:extLst>
-          </p:cNvPr>
+            <a:endParaRPr lang="en-US" dirty="0"/>
+          </a:p>
+        </p:txBody>
+      </p:sp>
+      <p:sp>
+        <p:nvSpPr>
+          <p:cNvPr id="4" name="Date Placeholder 3"/>
           <p:cNvSpPr>
             <a:spLocks noGrp="1"/>
           </p:cNvSpPr>
@@ -494,7 +446,7 @@
             <a:fld id="{1D8BD707-D9CF-40AE-B4C6-C98DA3205C09}" type="datetimeFigureOut">
               <a:rPr lang="en-US" smtClean="0"/>
               <a:pPr/>
-              <a:t>7/3/23</a:t>
+              <a:t>7/19/23</a:t>
             </a:fld>
             <a:endParaRPr lang="en-US"/>
           </a:p>
@@ -502,13 +454,7 @@
       </p:sp>
       <p:sp>
         <p:nvSpPr>
-          <p:cNvPr id="5" name="Footer Placeholder 4">
-            <a:extLst>
-              <a:ext uri="{FF2B5EF4-FFF2-40B4-BE49-F238E27FC236}">
-                <a16:creationId xmlns:a16="http://schemas.microsoft.com/office/drawing/2014/main" id="{B136F63E-1366-9DC0-1BAF-7118C2BB8318}"/>
-              </a:ext>
-            </a:extLst>
-          </p:cNvPr>
+          <p:cNvPr id="5" name="Footer Placeholder 4"/>
           <p:cNvSpPr>
             <a:spLocks noGrp="1"/>
           </p:cNvSpPr>
@@ -527,13 +473,7 @@
       </p:sp>
       <p:sp>
         <p:nvSpPr>
-          <p:cNvPr id="6" name="Slide Number Placeholder 5">
-            <a:extLst>
-              <a:ext uri="{FF2B5EF4-FFF2-40B4-BE49-F238E27FC236}">
-                <a16:creationId xmlns:a16="http://schemas.microsoft.com/office/drawing/2014/main" id="{AC6EBD64-7D79-171D-A061-D6471545690D}"/>
-              </a:ext>
-            </a:extLst>
-          </p:cNvPr>
+          <p:cNvPr id="6" name="Slide Number Placeholder 5"/>
           <p:cNvSpPr>
             <a:spLocks noGrp="1"/>
           </p:cNvSpPr>
@@ -558,7 +498,7 @@
     </p:spTree>
     <p:extLst>
       <p:ext uri="{BB962C8B-B14F-4D97-AF65-F5344CB8AC3E}">
-        <p14:creationId xmlns:p14="http://schemas.microsoft.com/office/powerpoint/2010/main" val="2574790473"/>
+        <p14:creationId xmlns:p14="http://schemas.microsoft.com/office/powerpoint/2010/main" val="4105233880"/>
       </p:ext>
     </p:extLst>
   </p:cSld>
@@ -569,7 +509,7 @@
 </file>
 
 <file path=ppt/slideLayouts/slideLayout11.xml><?xml version="1.0" encoding="utf-8"?>
-<p:sldLayout xmlns:a="http://schemas.openxmlformats.org/drawingml/2006/main" xmlns:r="http://schemas.openxmlformats.org/officeDocument/2006/relationships" xmlns:p="http://schemas.openxmlformats.org/presentationml/2006/main" showMasterSp="0" type="vertTitleAndTx" preserve="1">
+<p:sldLayout xmlns:a="http://schemas.openxmlformats.org/drawingml/2006/main" xmlns:r="http://schemas.openxmlformats.org/officeDocument/2006/relationships" xmlns:p="http://schemas.openxmlformats.org/presentationml/2006/main" type="vertTitleAndTx" preserve="1">
   <p:cSld name="Vertical Title and Text">
     <p:spTree>
       <p:nvGrpSpPr>
@@ -587,13 +527,7 @@
       </p:grpSpPr>
       <p:sp>
         <p:nvSpPr>
-          <p:cNvPr id="2" name="Vertical Title 1">
-            <a:extLst>
-              <a:ext uri="{FF2B5EF4-FFF2-40B4-BE49-F238E27FC236}">
-                <a16:creationId xmlns:a16="http://schemas.microsoft.com/office/drawing/2014/main" id="{B90DF71E-E9BD-EC03-58EF-DA21273CE81C}"/>
-              </a:ext>
-            </a:extLst>
-          </p:cNvPr>
+          <p:cNvPr id="2" name="Vertical Title 1"/>
           <p:cNvSpPr>
             <a:spLocks noGrp="1"/>
           </p:cNvSpPr>
@@ -615,19 +549,13 @@
               <a:rPr lang="en-US"/>
               <a:t>Click to edit Master title style</a:t>
             </a:r>
-            <a:endParaRPr lang="en-JP"/>
-          </a:p>
-        </p:txBody>
-      </p:sp>
-      <p:sp>
-        <p:nvSpPr>
-          <p:cNvPr id="3" name="Vertical Text Placeholder 2">
-            <a:extLst>
-              <a:ext uri="{FF2B5EF4-FFF2-40B4-BE49-F238E27FC236}">
-                <a16:creationId xmlns:a16="http://schemas.microsoft.com/office/drawing/2014/main" id="{67F368F1-50A8-25F2-99F0-3F11B5A145CE}"/>
-              </a:ext>
-            </a:extLst>
-          </p:cNvPr>
+            <a:endParaRPr lang="en-US" dirty="0"/>
+          </a:p>
+        </p:txBody>
+      </p:sp>
+      <p:sp>
+        <p:nvSpPr>
+          <p:cNvPr id="3" name="Vertical Text Placeholder 2"/>
           <p:cNvSpPr>
             <a:spLocks noGrp="1"/>
           </p:cNvSpPr>
@@ -678,19 +606,13 @@
               <a:rPr lang="en-US"/>
               <a:t>Fifth level</a:t>
             </a:r>
-            <a:endParaRPr lang="en-JP"/>
-          </a:p>
-        </p:txBody>
-      </p:sp>
-      <p:sp>
-        <p:nvSpPr>
-          <p:cNvPr id="4" name="Date Placeholder 3">
-            <a:extLst>
-              <a:ext uri="{FF2B5EF4-FFF2-40B4-BE49-F238E27FC236}">
-                <a16:creationId xmlns:a16="http://schemas.microsoft.com/office/drawing/2014/main" id="{7D307BDC-D5AC-64B2-F801-25A64376913D}"/>
-              </a:ext>
-            </a:extLst>
-          </p:cNvPr>
+            <a:endParaRPr lang="en-US" dirty="0"/>
+          </a:p>
+        </p:txBody>
+      </p:sp>
+      <p:sp>
+        <p:nvSpPr>
+          <p:cNvPr id="4" name="Date Placeholder 3"/>
           <p:cNvSpPr>
             <a:spLocks noGrp="1"/>
           </p:cNvSpPr>
@@ -706,7 +628,7 @@
             <a:fld id="{1D8BD707-D9CF-40AE-B4C6-C98DA3205C09}" type="datetimeFigureOut">
               <a:rPr lang="en-US" smtClean="0"/>
               <a:pPr/>
-              <a:t>7/3/23</a:t>
+              <a:t>7/19/23</a:t>
             </a:fld>
             <a:endParaRPr lang="en-US"/>
           </a:p>
@@ -714,13 +636,7 @@
       </p:sp>
       <p:sp>
         <p:nvSpPr>
-          <p:cNvPr id="5" name="Footer Placeholder 4">
-            <a:extLst>
-              <a:ext uri="{FF2B5EF4-FFF2-40B4-BE49-F238E27FC236}">
-                <a16:creationId xmlns:a16="http://schemas.microsoft.com/office/drawing/2014/main" id="{3B2B8E90-5A03-6369-FC59-01AAA6E737FC}"/>
-              </a:ext>
-            </a:extLst>
-          </p:cNvPr>
+          <p:cNvPr id="5" name="Footer Placeholder 4"/>
           <p:cNvSpPr>
             <a:spLocks noGrp="1"/>
           </p:cNvSpPr>
@@ -739,13 +655,7 @@
       </p:sp>
       <p:sp>
         <p:nvSpPr>
-          <p:cNvPr id="6" name="Slide Number Placeholder 5">
-            <a:extLst>
-              <a:ext uri="{FF2B5EF4-FFF2-40B4-BE49-F238E27FC236}">
-                <a16:creationId xmlns:a16="http://schemas.microsoft.com/office/drawing/2014/main" id="{02B0193F-E892-0402-255E-ACD1B8E64F20}"/>
-              </a:ext>
-            </a:extLst>
-          </p:cNvPr>
+          <p:cNvPr id="6" name="Slide Number Placeholder 5"/>
           <p:cNvSpPr>
             <a:spLocks noGrp="1"/>
           </p:cNvSpPr>
@@ -770,7 +680,7 @@
     </p:spTree>
     <p:extLst>
       <p:ext uri="{BB962C8B-B14F-4D97-AF65-F5344CB8AC3E}">
-        <p14:creationId xmlns:p14="http://schemas.microsoft.com/office/powerpoint/2010/main" val="2297551313"/>
+        <p14:creationId xmlns:p14="http://schemas.microsoft.com/office/powerpoint/2010/main" val="3429514358"/>
       </p:ext>
     </p:extLst>
   </p:cSld>
@@ -781,7 +691,7 @@
 </file>
 
 <file path=ppt/slideLayouts/slideLayout2.xml><?xml version="1.0" encoding="utf-8"?>
-<p:sldLayout xmlns:a="http://schemas.openxmlformats.org/drawingml/2006/main" xmlns:r="http://schemas.openxmlformats.org/officeDocument/2006/relationships" xmlns:p="http://schemas.openxmlformats.org/presentationml/2006/main" showMasterSp="0" type="obj" preserve="1">
+<p:sldLayout xmlns:a="http://schemas.openxmlformats.org/drawingml/2006/main" xmlns:r="http://schemas.openxmlformats.org/officeDocument/2006/relationships" xmlns:p="http://schemas.openxmlformats.org/presentationml/2006/main" type="obj" preserve="1">
   <p:cSld name="Title and Content">
     <p:spTree>
       <p:nvGrpSpPr>
@@ -799,13 +709,7 @@
       </p:grpSpPr>
       <p:sp>
         <p:nvSpPr>
-          <p:cNvPr id="2" name="Title 1">
-            <a:extLst>
-              <a:ext uri="{FF2B5EF4-FFF2-40B4-BE49-F238E27FC236}">
-                <a16:creationId xmlns:a16="http://schemas.microsoft.com/office/drawing/2014/main" id="{513AD452-BD81-57AF-0A1D-7D3EF360F059}"/>
-              </a:ext>
-            </a:extLst>
-          </p:cNvPr>
+          <p:cNvPr id="2" name="Title 1"/>
           <p:cNvSpPr>
             <a:spLocks noGrp="1"/>
           </p:cNvSpPr>
@@ -822,19 +726,13 @@
               <a:rPr lang="en-US"/>
               <a:t>Click to edit Master title style</a:t>
             </a:r>
-            <a:endParaRPr lang="en-JP"/>
-          </a:p>
-        </p:txBody>
-      </p:sp>
-      <p:sp>
-        <p:nvSpPr>
-          <p:cNvPr id="3" name="Content Placeholder 2">
-            <a:extLst>
-              <a:ext uri="{FF2B5EF4-FFF2-40B4-BE49-F238E27FC236}">
-                <a16:creationId xmlns:a16="http://schemas.microsoft.com/office/drawing/2014/main" id="{AC3D05FB-66C3-332B-A72B-98A7D4E46890}"/>
-              </a:ext>
-            </a:extLst>
-          </p:cNvPr>
+            <a:endParaRPr lang="en-US" dirty="0"/>
+          </a:p>
+        </p:txBody>
+      </p:sp>
+      <p:sp>
+        <p:nvSpPr>
+          <p:cNvPr id="3" name="Content Placeholder 2"/>
           <p:cNvSpPr>
             <a:spLocks noGrp="1"/>
           </p:cNvSpPr>
@@ -880,19 +778,13 @@
               <a:rPr lang="en-US"/>
               <a:t>Fifth level</a:t>
             </a:r>
-            <a:endParaRPr lang="en-JP"/>
-          </a:p>
-        </p:txBody>
-      </p:sp>
-      <p:sp>
-        <p:nvSpPr>
-          <p:cNvPr id="4" name="Date Placeholder 3">
-            <a:extLst>
-              <a:ext uri="{FF2B5EF4-FFF2-40B4-BE49-F238E27FC236}">
-                <a16:creationId xmlns:a16="http://schemas.microsoft.com/office/drawing/2014/main" id="{26EC6B76-4B5B-D87A-01A3-EC4777FD31A7}"/>
-              </a:ext>
-            </a:extLst>
-          </p:cNvPr>
+            <a:endParaRPr lang="en-US" dirty="0"/>
+          </a:p>
+        </p:txBody>
+      </p:sp>
+      <p:sp>
+        <p:nvSpPr>
+          <p:cNvPr id="4" name="Date Placeholder 3"/>
           <p:cNvSpPr>
             <a:spLocks noGrp="1"/>
           </p:cNvSpPr>
@@ -908,7 +800,7 @@
             <a:fld id="{1D8BD707-D9CF-40AE-B4C6-C98DA3205C09}" type="datetimeFigureOut">
               <a:rPr lang="en-US" smtClean="0"/>
               <a:pPr/>
-              <a:t>7/3/23</a:t>
+              <a:t>7/19/23</a:t>
             </a:fld>
             <a:endParaRPr lang="en-US"/>
           </a:p>
@@ -916,13 +808,7 @@
       </p:sp>
       <p:sp>
         <p:nvSpPr>
-          <p:cNvPr id="5" name="Footer Placeholder 4">
-            <a:extLst>
-              <a:ext uri="{FF2B5EF4-FFF2-40B4-BE49-F238E27FC236}">
-                <a16:creationId xmlns:a16="http://schemas.microsoft.com/office/drawing/2014/main" id="{1FBBEE0E-4454-F715-BA76-F7EF90B6BE74}"/>
-              </a:ext>
-            </a:extLst>
-          </p:cNvPr>
+          <p:cNvPr id="5" name="Footer Placeholder 4"/>
           <p:cNvSpPr>
             <a:spLocks noGrp="1"/>
           </p:cNvSpPr>
@@ -941,13 +827,7 @@
       </p:sp>
       <p:sp>
         <p:nvSpPr>
-          <p:cNvPr id="6" name="Slide Number Placeholder 5">
-            <a:extLst>
-              <a:ext uri="{FF2B5EF4-FFF2-40B4-BE49-F238E27FC236}">
-                <a16:creationId xmlns:a16="http://schemas.microsoft.com/office/drawing/2014/main" id="{116E8F18-CA6A-FD4B-A0D0-0A287BE8D7C5}"/>
-              </a:ext>
-            </a:extLst>
-          </p:cNvPr>
+          <p:cNvPr id="6" name="Slide Number Placeholder 5"/>
           <p:cNvSpPr>
             <a:spLocks noGrp="1"/>
           </p:cNvSpPr>
@@ -972,7 +852,7 @@
     </p:spTree>
     <p:extLst>
       <p:ext uri="{BB962C8B-B14F-4D97-AF65-F5344CB8AC3E}">
-        <p14:creationId xmlns:p14="http://schemas.microsoft.com/office/powerpoint/2010/main" val="797187119"/>
+        <p14:creationId xmlns:p14="http://schemas.microsoft.com/office/powerpoint/2010/main" val="663495920"/>
       </p:ext>
     </p:extLst>
   </p:cSld>
@@ -983,7 +863,7 @@
 </file>
 
 <file path=ppt/slideLayouts/slideLayout3.xml><?xml version="1.0" encoding="utf-8"?>
-<p:sldLayout xmlns:a="http://schemas.openxmlformats.org/drawingml/2006/main" xmlns:r="http://schemas.openxmlformats.org/officeDocument/2006/relationships" xmlns:p="http://schemas.openxmlformats.org/presentationml/2006/main" showMasterSp="0" type="secHead" preserve="1">
+<p:sldLayout xmlns:a="http://schemas.openxmlformats.org/drawingml/2006/main" xmlns:r="http://schemas.openxmlformats.org/officeDocument/2006/relationships" xmlns:p="http://schemas.openxmlformats.org/presentationml/2006/main" type="secHead" preserve="1">
   <p:cSld name="Section Header">
     <p:spTree>
       <p:nvGrpSpPr>
@@ -1001,13 +881,7 @@
       </p:grpSpPr>
       <p:sp>
         <p:nvSpPr>
-          <p:cNvPr id="2" name="Title 1">
-            <a:extLst>
-              <a:ext uri="{FF2B5EF4-FFF2-40B4-BE49-F238E27FC236}">
-                <a16:creationId xmlns:a16="http://schemas.microsoft.com/office/drawing/2014/main" id="{583EDC95-AA36-4DBD-31BB-AB143AFCADBD}"/>
-              </a:ext>
-            </a:extLst>
-          </p:cNvPr>
+          <p:cNvPr id="2" name="Title 1"/>
           <p:cNvSpPr>
             <a:spLocks noGrp="1"/>
           </p:cNvSpPr>
@@ -1033,19 +907,13 @@
               <a:rPr lang="en-US"/>
               <a:t>Click to edit Master title style</a:t>
             </a:r>
-            <a:endParaRPr lang="en-JP"/>
-          </a:p>
-        </p:txBody>
-      </p:sp>
-      <p:sp>
-        <p:nvSpPr>
-          <p:cNvPr id="3" name="Text Placeholder 2">
-            <a:extLst>
-              <a:ext uri="{FF2B5EF4-FFF2-40B4-BE49-F238E27FC236}">
-                <a16:creationId xmlns:a16="http://schemas.microsoft.com/office/drawing/2014/main" id="{27363379-4841-D66B-E693-5EDF24130A8C}"/>
-              </a:ext>
-            </a:extLst>
-          </p:cNvPr>
+            <a:endParaRPr lang="en-US" dirty="0"/>
+          </a:p>
+        </p:txBody>
+      </p:sp>
+      <p:sp>
+        <p:nvSpPr>
+          <p:cNvPr id="3" name="Text Placeholder 2"/>
           <p:cNvSpPr>
             <a:spLocks noGrp="1"/>
           </p:cNvSpPr>
@@ -1164,13 +1032,7 @@
       </p:sp>
       <p:sp>
         <p:nvSpPr>
-          <p:cNvPr id="4" name="Date Placeholder 3">
-            <a:extLst>
-              <a:ext uri="{FF2B5EF4-FFF2-40B4-BE49-F238E27FC236}">
-                <a16:creationId xmlns:a16="http://schemas.microsoft.com/office/drawing/2014/main" id="{71BAEB0A-E09C-3F2D-CC47-BFCCACD2550B}"/>
-              </a:ext>
-            </a:extLst>
-          </p:cNvPr>
+          <p:cNvPr id="4" name="Date Placeholder 3"/>
           <p:cNvSpPr>
             <a:spLocks noGrp="1"/>
           </p:cNvSpPr>
@@ -1186,7 +1048,7 @@
             <a:fld id="{1D8BD707-D9CF-40AE-B4C6-C98DA3205C09}" type="datetimeFigureOut">
               <a:rPr lang="en-US" smtClean="0"/>
               <a:pPr/>
-              <a:t>7/3/23</a:t>
+              <a:t>7/19/23</a:t>
             </a:fld>
             <a:endParaRPr lang="en-US"/>
           </a:p>
@@ -1194,13 +1056,7 @@
       </p:sp>
       <p:sp>
         <p:nvSpPr>
-          <p:cNvPr id="5" name="Footer Placeholder 4">
-            <a:extLst>
-              <a:ext uri="{FF2B5EF4-FFF2-40B4-BE49-F238E27FC236}">
-                <a16:creationId xmlns:a16="http://schemas.microsoft.com/office/drawing/2014/main" id="{CE1466E4-DF83-7242-079B-464585C5BE90}"/>
-              </a:ext>
-            </a:extLst>
-          </p:cNvPr>
+          <p:cNvPr id="5" name="Footer Placeholder 4"/>
           <p:cNvSpPr>
             <a:spLocks noGrp="1"/>
           </p:cNvSpPr>
@@ -1219,13 +1075,7 @@
       </p:sp>
       <p:sp>
         <p:nvSpPr>
-          <p:cNvPr id="6" name="Slide Number Placeholder 5">
-            <a:extLst>
-              <a:ext uri="{FF2B5EF4-FFF2-40B4-BE49-F238E27FC236}">
-                <a16:creationId xmlns:a16="http://schemas.microsoft.com/office/drawing/2014/main" id="{AAFCCB93-366F-F679-71D3-92BE827448D7}"/>
-              </a:ext>
-            </a:extLst>
-          </p:cNvPr>
+          <p:cNvPr id="6" name="Slide Number Placeholder 5"/>
           <p:cNvSpPr>
             <a:spLocks noGrp="1"/>
           </p:cNvSpPr>
@@ -1250,7 +1100,7 @@
     </p:spTree>
     <p:extLst>
       <p:ext uri="{BB962C8B-B14F-4D97-AF65-F5344CB8AC3E}">
-        <p14:creationId xmlns:p14="http://schemas.microsoft.com/office/powerpoint/2010/main" val="2392779389"/>
+        <p14:creationId xmlns:p14="http://schemas.microsoft.com/office/powerpoint/2010/main" val="3122993542"/>
       </p:ext>
     </p:extLst>
   </p:cSld>
@@ -1261,7 +1111,7 @@
 </file>
 
 <file path=ppt/slideLayouts/slideLayout4.xml><?xml version="1.0" encoding="utf-8"?>
-<p:sldLayout xmlns:a="http://schemas.openxmlformats.org/drawingml/2006/main" xmlns:r="http://schemas.openxmlformats.org/officeDocument/2006/relationships" xmlns:p="http://schemas.openxmlformats.org/presentationml/2006/main" showMasterSp="0" type="twoObj" preserve="1">
+<p:sldLayout xmlns:a="http://schemas.openxmlformats.org/drawingml/2006/main" xmlns:r="http://schemas.openxmlformats.org/officeDocument/2006/relationships" xmlns:p="http://schemas.openxmlformats.org/presentationml/2006/main" type="twoObj" preserve="1">
   <p:cSld name="Two Content">
     <p:spTree>
       <p:nvGrpSpPr>
@@ -1279,13 +1129,7 @@
       </p:grpSpPr>
       <p:sp>
         <p:nvSpPr>
-          <p:cNvPr id="2" name="Title 1">
-            <a:extLst>
-              <a:ext uri="{FF2B5EF4-FFF2-40B4-BE49-F238E27FC236}">
-                <a16:creationId xmlns:a16="http://schemas.microsoft.com/office/drawing/2014/main" id="{CBCF7B3E-360B-1D47-6319-04EC56ADFE26}"/>
-              </a:ext>
-            </a:extLst>
-          </p:cNvPr>
+          <p:cNvPr id="2" name="Title 1"/>
           <p:cNvSpPr>
             <a:spLocks noGrp="1"/>
           </p:cNvSpPr>
@@ -1302,19 +1146,13 @@
               <a:rPr lang="en-US"/>
               <a:t>Click to edit Master title style</a:t>
             </a:r>
-            <a:endParaRPr lang="en-JP"/>
-          </a:p>
-        </p:txBody>
-      </p:sp>
-      <p:sp>
-        <p:nvSpPr>
-          <p:cNvPr id="3" name="Content Placeholder 2">
-            <a:extLst>
-              <a:ext uri="{FF2B5EF4-FFF2-40B4-BE49-F238E27FC236}">
-                <a16:creationId xmlns:a16="http://schemas.microsoft.com/office/drawing/2014/main" id="{121C2B7B-A9B8-B875-E23E-060268EA33A5}"/>
-              </a:ext>
-            </a:extLst>
-          </p:cNvPr>
+            <a:endParaRPr lang="en-US" dirty="0"/>
+          </a:p>
+        </p:txBody>
+      </p:sp>
+      <p:sp>
+        <p:nvSpPr>
+          <p:cNvPr id="3" name="Content Placeholder 2"/>
           <p:cNvSpPr>
             <a:spLocks noGrp="1"/>
           </p:cNvSpPr>
@@ -1365,19 +1203,13 @@
               <a:rPr lang="en-US"/>
               <a:t>Fifth level</a:t>
             </a:r>
-            <a:endParaRPr lang="en-JP"/>
-          </a:p>
-        </p:txBody>
-      </p:sp>
-      <p:sp>
-        <p:nvSpPr>
-          <p:cNvPr id="4" name="Content Placeholder 3">
-            <a:extLst>
-              <a:ext uri="{FF2B5EF4-FFF2-40B4-BE49-F238E27FC236}">
-                <a16:creationId xmlns:a16="http://schemas.microsoft.com/office/drawing/2014/main" id="{313484D2-BF37-041D-154A-7BA5610B5482}"/>
-              </a:ext>
-            </a:extLst>
-          </p:cNvPr>
+            <a:endParaRPr lang="en-US" dirty="0"/>
+          </a:p>
+        </p:txBody>
+      </p:sp>
+      <p:sp>
+        <p:nvSpPr>
+          <p:cNvPr id="4" name="Content Placeholder 3"/>
           <p:cNvSpPr>
             <a:spLocks noGrp="1"/>
           </p:cNvSpPr>
@@ -1428,19 +1260,13 @@
               <a:rPr lang="en-US"/>
               <a:t>Fifth level</a:t>
             </a:r>
-            <a:endParaRPr lang="en-JP"/>
-          </a:p>
-        </p:txBody>
-      </p:sp>
-      <p:sp>
-        <p:nvSpPr>
-          <p:cNvPr id="5" name="Date Placeholder 4">
-            <a:extLst>
-              <a:ext uri="{FF2B5EF4-FFF2-40B4-BE49-F238E27FC236}">
-                <a16:creationId xmlns:a16="http://schemas.microsoft.com/office/drawing/2014/main" id="{1B6AC376-7C58-82A4-7D6C-5287D296FF95}"/>
-              </a:ext>
-            </a:extLst>
-          </p:cNvPr>
+            <a:endParaRPr lang="en-US" dirty="0"/>
+          </a:p>
+        </p:txBody>
+      </p:sp>
+      <p:sp>
+        <p:nvSpPr>
+          <p:cNvPr id="5" name="Date Placeholder 4"/>
           <p:cNvSpPr>
             <a:spLocks noGrp="1"/>
           </p:cNvSpPr>
@@ -1456,7 +1282,7 @@
             <a:fld id="{1D8BD707-D9CF-40AE-B4C6-C98DA3205C09}" type="datetimeFigureOut">
               <a:rPr lang="en-US" smtClean="0"/>
               <a:pPr/>
-              <a:t>7/3/23</a:t>
+              <a:t>7/19/23</a:t>
             </a:fld>
             <a:endParaRPr lang="en-US"/>
           </a:p>
@@ -1464,13 +1290,7 @@
       </p:sp>
       <p:sp>
         <p:nvSpPr>
-          <p:cNvPr id="6" name="Footer Placeholder 5">
-            <a:extLst>
-              <a:ext uri="{FF2B5EF4-FFF2-40B4-BE49-F238E27FC236}">
-                <a16:creationId xmlns:a16="http://schemas.microsoft.com/office/drawing/2014/main" id="{C8234056-E166-C921-429F-ED863EDC87A5}"/>
-              </a:ext>
-            </a:extLst>
-          </p:cNvPr>
+          <p:cNvPr id="6" name="Footer Placeholder 5"/>
           <p:cNvSpPr>
             <a:spLocks noGrp="1"/>
           </p:cNvSpPr>
@@ -1489,13 +1309,7 @@
       </p:sp>
       <p:sp>
         <p:nvSpPr>
-          <p:cNvPr id="7" name="Slide Number Placeholder 6">
-            <a:extLst>
-              <a:ext uri="{FF2B5EF4-FFF2-40B4-BE49-F238E27FC236}">
-                <a16:creationId xmlns:a16="http://schemas.microsoft.com/office/drawing/2014/main" id="{ADF549E8-35ED-1B67-5AA5-3B5ABD2301A5}"/>
-              </a:ext>
-            </a:extLst>
-          </p:cNvPr>
+          <p:cNvPr id="7" name="Slide Number Placeholder 6"/>
           <p:cNvSpPr>
             <a:spLocks noGrp="1"/>
           </p:cNvSpPr>
@@ -1520,7 +1334,7 @@
     </p:spTree>
     <p:extLst>
       <p:ext uri="{BB962C8B-B14F-4D97-AF65-F5344CB8AC3E}">
-        <p14:creationId xmlns:p14="http://schemas.microsoft.com/office/powerpoint/2010/main" val="1008515979"/>
+        <p14:creationId xmlns:p14="http://schemas.microsoft.com/office/powerpoint/2010/main" val="2023233954"/>
       </p:ext>
     </p:extLst>
   </p:cSld>
@@ -1531,7 +1345,7 @@
 </file>
 
 <file path=ppt/slideLayouts/slideLayout5.xml><?xml version="1.0" encoding="utf-8"?>
-<p:sldLayout xmlns:a="http://schemas.openxmlformats.org/drawingml/2006/main" xmlns:r="http://schemas.openxmlformats.org/officeDocument/2006/relationships" xmlns:p="http://schemas.openxmlformats.org/presentationml/2006/main" showMasterSp="0" type="twoTxTwoObj" preserve="1">
+<p:sldLayout xmlns:a="http://schemas.openxmlformats.org/drawingml/2006/main" xmlns:r="http://schemas.openxmlformats.org/officeDocument/2006/relationships" xmlns:p="http://schemas.openxmlformats.org/presentationml/2006/main" type="twoTxTwoObj" preserve="1">
   <p:cSld name="Comparison">
     <p:spTree>
       <p:nvGrpSpPr>
@@ -1549,13 +1363,7 @@
       </p:grpSpPr>
       <p:sp>
         <p:nvSpPr>
-          <p:cNvPr id="2" name="Title 1">
-            <a:extLst>
-              <a:ext uri="{FF2B5EF4-FFF2-40B4-BE49-F238E27FC236}">
-                <a16:creationId xmlns:a16="http://schemas.microsoft.com/office/drawing/2014/main" id="{8093D86B-2CCE-FBCC-F3F6-7968EE25EE51}"/>
-              </a:ext>
-            </a:extLst>
-          </p:cNvPr>
+          <p:cNvPr id="2" name="Title 1"/>
           <p:cNvSpPr>
             <a:spLocks noGrp="1"/>
           </p:cNvSpPr>
@@ -1577,19 +1385,13 @@
               <a:rPr lang="en-US"/>
               <a:t>Click to edit Master title style</a:t>
             </a:r>
-            <a:endParaRPr lang="en-JP"/>
-          </a:p>
-        </p:txBody>
-      </p:sp>
-      <p:sp>
-        <p:nvSpPr>
-          <p:cNvPr id="3" name="Text Placeholder 2">
-            <a:extLst>
-              <a:ext uri="{FF2B5EF4-FFF2-40B4-BE49-F238E27FC236}">
-                <a16:creationId xmlns:a16="http://schemas.microsoft.com/office/drawing/2014/main" id="{B3AC09E1-E7D1-9EDD-2E3F-9EE6B5A56AAE}"/>
-              </a:ext>
-            </a:extLst>
-          </p:cNvPr>
+            <a:endParaRPr lang="en-US" dirty="0"/>
+          </a:p>
+        </p:txBody>
+      </p:sp>
+      <p:sp>
+        <p:nvSpPr>
+          <p:cNvPr id="3" name="Text Placeholder 2"/>
           <p:cNvSpPr>
             <a:spLocks noGrp="1"/>
           </p:cNvSpPr>
@@ -1654,13 +1456,7 @@
       </p:sp>
       <p:sp>
         <p:nvSpPr>
-          <p:cNvPr id="4" name="Content Placeholder 3">
-            <a:extLst>
-              <a:ext uri="{FF2B5EF4-FFF2-40B4-BE49-F238E27FC236}">
-                <a16:creationId xmlns:a16="http://schemas.microsoft.com/office/drawing/2014/main" id="{25D2C995-30D5-F906-E3DF-3D8D8B41BDB4}"/>
-              </a:ext>
-            </a:extLst>
-          </p:cNvPr>
+          <p:cNvPr id="4" name="Content Placeholder 3"/>
           <p:cNvSpPr>
             <a:spLocks noGrp="1"/>
           </p:cNvSpPr>
@@ -1711,19 +1507,13 @@
               <a:rPr lang="en-US"/>
               <a:t>Fifth level</a:t>
             </a:r>
-            <a:endParaRPr lang="en-JP"/>
-          </a:p>
-        </p:txBody>
-      </p:sp>
-      <p:sp>
-        <p:nvSpPr>
-          <p:cNvPr id="5" name="Text Placeholder 4">
-            <a:extLst>
-              <a:ext uri="{FF2B5EF4-FFF2-40B4-BE49-F238E27FC236}">
-                <a16:creationId xmlns:a16="http://schemas.microsoft.com/office/drawing/2014/main" id="{0E8F6A5D-064D-AD1C-E7C6-5209FA6FDC49}"/>
-              </a:ext>
-            </a:extLst>
-          </p:cNvPr>
+            <a:endParaRPr lang="en-US" dirty="0"/>
+          </a:p>
+        </p:txBody>
+      </p:sp>
+      <p:sp>
+        <p:nvSpPr>
+          <p:cNvPr id="5" name="Text Placeholder 4"/>
           <p:cNvSpPr>
             <a:spLocks noGrp="1"/>
           </p:cNvSpPr>
@@ -1788,13 +1578,7 @@
       </p:sp>
       <p:sp>
         <p:nvSpPr>
-          <p:cNvPr id="6" name="Content Placeholder 5">
-            <a:extLst>
-              <a:ext uri="{FF2B5EF4-FFF2-40B4-BE49-F238E27FC236}">
-                <a16:creationId xmlns:a16="http://schemas.microsoft.com/office/drawing/2014/main" id="{5C1038EB-DB9C-C969-D2F5-38B1121F25FC}"/>
-              </a:ext>
-            </a:extLst>
-          </p:cNvPr>
+          <p:cNvPr id="6" name="Content Placeholder 5"/>
           <p:cNvSpPr>
             <a:spLocks noGrp="1"/>
           </p:cNvSpPr>
@@ -1845,19 +1629,13 @@
               <a:rPr lang="en-US"/>
               <a:t>Fifth level</a:t>
             </a:r>
-            <a:endParaRPr lang="en-JP"/>
-          </a:p>
-        </p:txBody>
-      </p:sp>
-      <p:sp>
-        <p:nvSpPr>
-          <p:cNvPr id="7" name="Date Placeholder 6">
-            <a:extLst>
-              <a:ext uri="{FF2B5EF4-FFF2-40B4-BE49-F238E27FC236}">
-                <a16:creationId xmlns:a16="http://schemas.microsoft.com/office/drawing/2014/main" id="{DA73A3F5-3828-5A0E-6184-A61DD62C0C96}"/>
-              </a:ext>
-            </a:extLst>
-          </p:cNvPr>
+            <a:endParaRPr lang="en-US" dirty="0"/>
+          </a:p>
+        </p:txBody>
+      </p:sp>
+      <p:sp>
+        <p:nvSpPr>
+          <p:cNvPr id="7" name="Date Placeholder 6"/>
           <p:cNvSpPr>
             <a:spLocks noGrp="1"/>
           </p:cNvSpPr>
@@ -1873,7 +1651,7 @@
             <a:fld id="{1D8BD707-D9CF-40AE-B4C6-C98DA3205C09}" type="datetimeFigureOut">
               <a:rPr lang="en-US" smtClean="0"/>
               <a:pPr/>
-              <a:t>7/3/23</a:t>
+              <a:t>7/19/23</a:t>
             </a:fld>
             <a:endParaRPr lang="en-US"/>
           </a:p>
@@ -1881,13 +1659,7 @@
       </p:sp>
       <p:sp>
         <p:nvSpPr>
-          <p:cNvPr id="8" name="Footer Placeholder 7">
-            <a:extLst>
-              <a:ext uri="{FF2B5EF4-FFF2-40B4-BE49-F238E27FC236}">
-                <a16:creationId xmlns:a16="http://schemas.microsoft.com/office/drawing/2014/main" id="{F9861AB2-1748-243B-017E-AE40791DD57E}"/>
-              </a:ext>
-            </a:extLst>
-          </p:cNvPr>
+          <p:cNvPr id="8" name="Footer Placeholder 7"/>
           <p:cNvSpPr>
             <a:spLocks noGrp="1"/>
           </p:cNvSpPr>
@@ -1906,13 +1678,7 @@
       </p:sp>
       <p:sp>
         <p:nvSpPr>
-          <p:cNvPr id="9" name="Slide Number Placeholder 8">
-            <a:extLst>
-              <a:ext uri="{FF2B5EF4-FFF2-40B4-BE49-F238E27FC236}">
-                <a16:creationId xmlns:a16="http://schemas.microsoft.com/office/drawing/2014/main" id="{375D1B11-0C01-DDCF-4609-F3099A6E14E6}"/>
-              </a:ext>
-            </a:extLst>
-          </p:cNvPr>
+          <p:cNvPr id="9" name="Slide Number Placeholder 8"/>
           <p:cNvSpPr>
             <a:spLocks noGrp="1"/>
           </p:cNvSpPr>
@@ -1937,7 +1703,7 @@
     </p:spTree>
     <p:extLst>
       <p:ext uri="{BB962C8B-B14F-4D97-AF65-F5344CB8AC3E}">
-        <p14:creationId xmlns:p14="http://schemas.microsoft.com/office/powerpoint/2010/main" val="1650296902"/>
+        <p14:creationId xmlns:p14="http://schemas.microsoft.com/office/powerpoint/2010/main" val="1746891247"/>
       </p:ext>
     </p:extLst>
   </p:cSld>
@@ -1948,7 +1714,7 @@
 </file>
 
 <file path=ppt/slideLayouts/slideLayout6.xml><?xml version="1.0" encoding="utf-8"?>
-<p:sldLayout xmlns:a="http://schemas.openxmlformats.org/drawingml/2006/main" xmlns:r="http://schemas.openxmlformats.org/officeDocument/2006/relationships" xmlns:p="http://schemas.openxmlformats.org/presentationml/2006/main" showMasterSp="0" type="titleOnly" preserve="1">
+<p:sldLayout xmlns:a="http://schemas.openxmlformats.org/drawingml/2006/main" xmlns:r="http://schemas.openxmlformats.org/officeDocument/2006/relationships" xmlns:p="http://schemas.openxmlformats.org/presentationml/2006/main" type="titleOnly" preserve="1">
   <p:cSld name="Title Only">
     <p:spTree>
       <p:nvGrpSpPr>
@@ -1966,13 +1732,7 @@
       </p:grpSpPr>
       <p:sp>
         <p:nvSpPr>
-          <p:cNvPr id="2" name="Title 1">
-            <a:extLst>
-              <a:ext uri="{FF2B5EF4-FFF2-40B4-BE49-F238E27FC236}">
-                <a16:creationId xmlns:a16="http://schemas.microsoft.com/office/drawing/2014/main" id="{2BB5FEFC-AF5B-E302-B647-2A9710CA4B12}"/>
-              </a:ext>
-            </a:extLst>
-          </p:cNvPr>
+          <p:cNvPr id="2" name="Title 1"/>
           <p:cNvSpPr>
             <a:spLocks noGrp="1"/>
           </p:cNvSpPr>
@@ -1989,19 +1749,13 @@
               <a:rPr lang="en-US"/>
               <a:t>Click to edit Master title style</a:t>
             </a:r>
-            <a:endParaRPr lang="en-JP"/>
-          </a:p>
-        </p:txBody>
-      </p:sp>
-      <p:sp>
-        <p:nvSpPr>
-          <p:cNvPr id="3" name="Date Placeholder 2">
-            <a:extLst>
-              <a:ext uri="{FF2B5EF4-FFF2-40B4-BE49-F238E27FC236}">
-                <a16:creationId xmlns:a16="http://schemas.microsoft.com/office/drawing/2014/main" id="{88983000-7361-6125-1209-2139FEE7C090}"/>
-              </a:ext>
-            </a:extLst>
-          </p:cNvPr>
+            <a:endParaRPr lang="en-US" dirty="0"/>
+          </a:p>
+        </p:txBody>
+      </p:sp>
+      <p:sp>
+        <p:nvSpPr>
+          <p:cNvPr id="3" name="Date Placeholder 2"/>
           <p:cNvSpPr>
             <a:spLocks noGrp="1"/>
           </p:cNvSpPr>
@@ -2017,7 +1771,7 @@
             <a:fld id="{1D8BD707-D9CF-40AE-B4C6-C98DA3205C09}" type="datetimeFigureOut">
               <a:rPr lang="en-US" smtClean="0"/>
               <a:pPr/>
-              <a:t>7/3/23</a:t>
+              <a:t>7/19/23</a:t>
             </a:fld>
             <a:endParaRPr lang="en-US"/>
           </a:p>
@@ -2025,13 +1779,7 @@
       </p:sp>
       <p:sp>
         <p:nvSpPr>
-          <p:cNvPr id="4" name="Footer Placeholder 3">
-            <a:extLst>
-              <a:ext uri="{FF2B5EF4-FFF2-40B4-BE49-F238E27FC236}">
-                <a16:creationId xmlns:a16="http://schemas.microsoft.com/office/drawing/2014/main" id="{ECFAD241-2840-1BC0-9078-5E8CEC2D0B8E}"/>
-              </a:ext>
-            </a:extLst>
-          </p:cNvPr>
+          <p:cNvPr id="4" name="Footer Placeholder 3"/>
           <p:cNvSpPr>
             <a:spLocks noGrp="1"/>
           </p:cNvSpPr>
@@ -2050,13 +1798,7 @@
       </p:sp>
       <p:sp>
         <p:nvSpPr>
-          <p:cNvPr id="5" name="Slide Number Placeholder 4">
-            <a:extLst>
-              <a:ext uri="{FF2B5EF4-FFF2-40B4-BE49-F238E27FC236}">
-                <a16:creationId xmlns:a16="http://schemas.microsoft.com/office/drawing/2014/main" id="{C3DF8428-D2D2-0C14-28C8-D9678AA8B33F}"/>
-              </a:ext>
-            </a:extLst>
-          </p:cNvPr>
+          <p:cNvPr id="5" name="Slide Number Placeholder 4"/>
           <p:cNvSpPr>
             <a:spLocks noGrp="1"/>
           </p:cNvSpPr>
@@ -2081,7 +1823,7 @@
     </p:spTree>
     <p:extLst>
       <p:ext uri="{BB962C8B-B14F-4D97-AF65-F5344CB8AC3E}">
-        <p14:creationId xmlns:p14="http://schemas.microsoft.com/office/powerpoint/2010/main" val="2213644497"/>
+        <p14:creationId xmlns:p14="http://schemas.microsoft.com/office/powerpoint/2010/main" val="359357094"/>
       </p:ext>
     </p:extLst>
   </p:cSld>
@@ -2092,7 +1834,7 @@
 </file>
 
 <file path=ppt/slideLayouts/slideLayout7.xml><?xml version="1.0" encoding="utf-8"?>
-<p:sldLayout xmlns:a="http://schemas.openxmlformats.org/drawingml/2006/main" xmlns:r="http://schemas.openxmlformats.org/officeDocument/2006/relationships" xmlns:p="http://schemas.openxmlformats.org/presentationml/2006/main" showMasterSp="0" type="blank" preserve="1">
+<p:sldLayout xmlns:a="http://schemas.openxmlformats.org/drawingml/2006/main" xmlns:r="http://schemas.openxmlformats.org/officeDocument/2006/relationships" xmlns:p="http://schemas.openxmlformats.org/presentationml/2006/main" type="blank" preserve="1">
   <p:cSld name="Blank">
     <p:spTree>
       <p:nvGrpSpPr>
@@ -2110,13 +1852,7 @@
       </p:grpSpPr>
       <p:sp>
         <p:nvSpPr>
-          <p:cNvPr id="2" name="Date Placeholder 1">
-            <a:extLst>
-              <a:ext uri="{FF2B5EF4-FFF2-40B4-BE49-F238E27FC236}">
-                <a16:creationId xmlns:a16="http://schemas.microsoft.com/office/drawing/2014/main" id="{6D7A9D7A-3B23-B522-99E2-1331896A5471}"/>
-              </a:ext>
-            </a:extLst>
-          </p:cNvPr>
+          <p:cNvPr id="2" name="Date Placeholder 1"/>
           <p:cNvSpPr>
             <a:spLocks noGrp="1"/>
           </p:cNvSpPr>
@@ -2132,7 +1868,7 @@
             <a:fld id="{1D8BD707-D9CF-40AE-B4C6-C98DA3205C09}" type="datetimeFigureOut">
               <a:rPr lang="en-US" smtClean="0"/>
               <a:pPr/>
-              <a:t>7/3/23</a:t>
+              <a:t>7/19/23</a:t>
             </a:fld>
             <a:endParaRPr lang="en-US"/>
           </a:p>
@@ -2140,13 +1876,7 @@
       </p:sp>
       <p:sp>
         <p:nvSpPr>
-          <p:cNvPr id="3" name="Footer Placeholder 2">
-            <a:extLst>
-              <a:ext uri="{FF2B5EF4-FFF2-40B4-BE49-F238E27FC236}">
-                <a16:creationId xmlns:a16="http://schemas.microsoft.com/office/drawing/2014/main" id="{247EF580-E288-B1F6-0838-8672E874ED21}"/>
-              </a:ext>
-            </a:extLst>
-          </p:cNvPr>
+          <p:cNvPr id="3" name="Footer Placeholder 2"/>
           <p:cNvSpPr>
             <a:spLocks noGrp="1"/>
           </p:cNvSpPr>
@@ -2165,13 +1895,7 @@
       </p:sp>
       <p:sp>
         <p:nvSpPr>
-          <p:cNvPr id="4" name="Slide Number Placeholder 3">
-            <a:extLst>
-              <a:ext uri="{FF2B5EF4-FFF2-40B4-BE49-F238E27FC236}">
-                <a16:creationId xmlns:a16="http://schemas.microsoft.com/office/drawing/2014/main" id="{284024CD-456E-628D-58A5-1834AFA9D8E1}"/>
-              </a:ext>
-            </a:extLst>
-          </p:cNvPr>
+          <p:cNvPr id="4" name="Slide Number Placeholder 3"/>
           <p:cNvSpPr>
             <a:spLocks noGrp="1"/>
           </p:cNvSpPr>
@@ -2196,7 +1920,7 @@
     </p:spTree>
     <p:extLst>
       <p:ext uri="{BB962C8B-B14F-4D97-AF65-F5344CB8AC3E}">
-        <p14:creationId xmlns:p14="http://schemas.microsoft.com/office/powerpoint/2010/main" val="97446484"/>
+        <p14:creationId xmlns:p14="http://schemas.microsoft.com/office/powerpoint/2010/main" val="498694594"/>
       </p:ext>
     </p:extLst>
   </p:cSld>
@@ -2207,7 +1931,7 @@
 </file>
 
 <file path=ppt/slideLayouts/slideLayout8.xml><?xml version="1.0" encoding="utf-8"?>
-<p:sldLayout xmlns:a="http://schemas.openxmlformats.org/drawingml/2006/main" xmlns:r="http://schemas.openxmlformats.org/officeDocument/2006/relationships" xmlns:p="http://schemas.openxmlformats.org/presentationml/2006/main" showMasterSp="0" type="objTx" preserve="1">
+<p:sldLayout xmlns:a="http://schemas.openxmlformats.org/drawingml/2006/main" xmlns:r="http://schemas.openxmlformats.org/officeDocument/2006/relationships" xmlns:p="http://schemas.openxmlformats.org/presentationml/2006/main" type="objTx" preserve="1">
   <p:cSld name="Content with Caption">
     <p:spTree>
       <p:nvGrpSpPr>
@@ -2225,13 +1949,7 @@
       </p:grpSpPr>
       <p:sp>
         <p:nvSpPr>
-          <p:cNvPr id="2" name="Title 1">
-            <a:extLst>
-              <a:ext uri="{FF2B5EF4-FFF2-40B4-BE49-F238E27FC236}">
-                <a16:creationId xmlns:a16="http://schemas.microsoft.com/office/drawing/2014/main" id="{F8C28BAF-B49F-0A6C-1E30-E42F3B655ECB}"/>
-              </a:ext>
-            </a:extLst>
-          </p:cNvPr>
+          <p:cNvPr id="2" name="Title 1"/>
           <p:cNvSpPr>
             <a:spLocks noGrp="1"/>
           </p:cNvSpPr>
@@ -2257,19 +1975,13 @@
               <a:rPr lang="en-US"/>
               <a:t>Click to edit Master title style</a:t>
             </a:r>
-            <a:endParaRPr lang="en-JP"/>
-          </a:p>
-        </p:txBody>
-      </p:sp>
-      <p:sp>
-        <p:nvSpPr>
-          <p:cNvPr id="3" name="Content Placeholder 2">
-            <a:extLst>
-              <a:ext uri="{FF2B5EF4-FFF2-40B4-BE49-F238E27FC236}">
-                <a16:creationId xmlns:a16="http://schemas.microsoft.com/office/drawing/2014/main" id="{D9C7618E-270D-74BF-C7E2-534BADC6C0E7}"/>
-              </a:ext>
-            </a:extLst>
-          </p:cNvPr>
+            <a:endParaRPr lang="en-US" dirty="0"/>
+          </a:p>
+        </p:txBody>
+      </p:sp>
+      <p:sp>
+        <p:nvSpPr>
+          <p:cNvPr id="3" name="Content Placeholder 2"/>
           <p:cNvSpPr>
             <a:spLocks noGrp="1"/>
           </p:cNvSpPr>
@@ -2348,19 +2060,13 @@
               <a:rPr lang="en-US"/>
               <a:t>Fifth level</a:t>
             </a:r>
-            <a:endParaRPr lang="en-JP"/>
-          </a:p>
-        </p:txBody>
-      </p:sp>
-      <p:sp>
-        <p:nvSpPr>
-          <p:cNvPr id="4" name="Text Placeholder 3">
-            <a:extLst>
-              <a:ext uri="{FF2B5EF4-FFF2-40B4-BE49-F238E27FC236}">
-                <a16:creationId xmlns:a16="http://schemas.microsoft.com/office/drawing/2014/main" id="{CF8D5D30-D633-D1BD-BA98-F54506960038}"/>
-              </a:ext>
-            </a:extLst>
-          </p:cNvPr>
+            <a:endParaRPr lang="en-US" dirty="0"/>
+          </a:p>
+        </p:txBody>
+      </p:sp>
+      <p:sp>
+        <p:nvSpPr>
+          <p:cNvPr id="4" name="Text Placeholder 3"/>
           <p:cNvSpPr>
             <a:spLocks noGrp="1"/>
           </p:cNvSpPr>
@@ -2425,13 +2131,7 @@
       </p:sp>
       <p:sp>
         <p:nvSpPr>
-          <p:cNvPr id="5" name="Date Placeholder 4">
-            <a:extLst>
-              <a:ext uri="{FF2B5EF4-FFF2-40B4-BE49-F238E27FC236}">
-                <a16:creationId xmlns:a16="http://schemas.microsoft.com/office/drawing/2014/main" id="{0655E5DF-7C86-35CC-7021-75FD612C095F}"/>
-              </a:ext>
-            </a:extLst>
-          </p:cNvPr>
+          <p:cNvPr id="5" name="Date Placeholder 4"/>
           <p:cNvSpPr>
             <a:spLocks noGrp="1"/>
           </p:cNvSpPr>
@@ -2447,7 +2147,7 @@
             <a:fld id="{1D8BD707-D9CF-40AE-B4C6-C98DA3205C09}" type="datetimeFigureOut">
               <a:rPr lang="en-US" smtClean="0"/>
               <a:pPr/>
-              <a:t>7/3/23</a:t>
+              <a:t>7/19/23</a:t>
             </a:fld>
             <a:endParaRPr lang="en-US"/>
           </a:p>
@@ -2455,13 +2155,7 @@
       </p:sp>
       <p:sp>
         <p:nvSpPr>
-          <p:cNvPr id="6" name="Footer Placeholder 5">
-            <a:extLst>
-              <a:ext uri="{FF2B5EF4-FFF2-40B4-BE49-F238E27FC236}">
-                <a16:creationId xmlns:a16="http://schemas.microsoft.com/office/drawing/2014/main" id="{21A61AA9-B585-BFBC-228B-1D229599B2BB}"/>
-              </a:ext>
-            </a:extLst>
-          </p:cNvPr>
+          <p:cNvPr id="6" name="Footer Placeholder 5"/>
           <p:cNvSpPr>
             <a:spLocks noGrp="1"/>
           </p:cNvSpPr>
@@ -2480,13 +2174,7 @@
       </p:sp>
       <p:sp>
         <p:nvSpPr>
-          <p:cNvPr id="7" name="Slide Number Placeholder 6">
-            <a:extLst>
-              <a:ext uri="{FF2B5EF4-FFF2-40B4-BE49-F238E27FC236}">
-                <a16:creationId xmlns:a16="http://schemas.microsoft.com/office/drawing/2014/main" id="{96A6F802-F087-01D5-09BA-61F5FB3BD524}"/>
-              </a:ext>
-            </a:extLst>
-          </p:cNvPr>
+          <p:cNvPr id="7" name="Slide Number Placeholder 6"/>
           <p:cNvSpPr>
             <a:spLocks noGrp="1"/>
           </p:cNvSpPr>
@@ -2511,7 +2199,7 @@
     </p:spTree>
     <p:extLst>
       <p:ext uri="{BB962C8B-B14F-4D97-AF65-F5344CB8AC3E}">
-        <p14:creationId xmlns:p14="http://schemas.microsoft.com/office/powerpoint/2010/main" val="1041639162"/>
+        <p14:creationId xmlns:p14="http://schemas.microsoft.com/office/powerpoint/2010/main" val="1868026169"/>
       </p:ext>
     </p:extLst>
   </p:cSld>
@@ -2522,7 +2210,7 @@
 </file>
 
 <file path=ppt/slideLayouts/slideLayout9.xml><?xml version="1.0" encoding="utf-8"?>
-<p:sldLayout xmlns:a="http://schemas.openxmlformats.org/drawingml/2006/main" xmlns:r="http://schemas.openxmlformats.org/officeDocument/2006/relationships" xmlns:p="http://schemas.openxmlformats.org/presentationml/2006/main" showMasterSp="0" type="picTx" preserve="1">
+<p:sldLayout xmlns:a="http://schemas.openxmlformats.org/drawingml/2006/main" xmlns:r="http://schemas.openxmlformats.org/officeDocument/2006/relationships" xmlns:p="http://schemas.openxmlformats.org/presentationml/2006/main" type="picTx" preserve="1">
   <p:cSld name="Picture with Caption">
     <p:spTree>
       <p:nvGrpSpPr>
@@ -2540,13 +2228,7 @@
       </p:grpSpPr>
       <p:sp>
         <p:nvSpPr>
-          <p:cNvPr id="2" name="Title 1">
-            <a:extLst>
-              <a:ext uri="{FF2B5EF4-FFF2-40B4-BE49-F238E27FC236}">
-                <a16:creationId xmlns:a16="http://schemas.microsoft.com/office/drawing/2014/main" id="{DBDCE8DC-39E4-5195-77D1-B46FF6FAEE8E}"/>
-              </a:ext>
-            </a:extLst>
-          </p:cNvPr>
+          <p:cNvPr id="2" name="Title 1"/>
           <p:cNvSpPr>
             <a:spLocks noGrp="1"/>
           </p:cNvSpPr>
@@ -2572,21 +2254,15 @@
               <a:rPr lang="en-US"/>
               <a:t>Click to edit Master title style</a:t>
             </a:r>
-            <a:endParaRPr lang="en-JP"/>
-          </a:p>
-        </p:txBody>
-      </p:sp>
-      <p:sp>
-        <p:nvSpPr>
-          <p:cNvPr id="3" name="Picture Placeholder 2">
-            <a:extLst>
-              <a:ext uri="{FF2B5EF4-FFF2-40B4-BE49-F238E27FC236}">
-                <a16:creationId xmlns:a16="http://schemas.microsoft.com/office/drawing/2014/main" id="{73A472A2-0908-6AD2-B69D-52FB96F212B9}"/>
-              </a:ext>
-            </a:extLst>
-          </p:cNvPr>
-          <p:cNvSpPr>
-            <a:spLocks noGrp="1"/>
+            <a:endParaRPr lang="en-US" dirty="0"/>
+          </a:p>
+        </p:txBody>
+      </p:sp>
+      <p:sp>
+        <p:nvSpPr>
+          <p:cNvPr id="3" name="Picture Placeholder 2"/>
+          <p:cNvSpPr>
+            <a:spLocks noGrp="1" noChangeAspect="1"/>
           </p:cNvSpPr>
           <p:nvPr>
             <p:ph type="pic" idx="1"/>
@@ -2599,7 +2275,7 @@
           </a:xfrm>
         </p:spPr>
         <p:txBody>
-          <a:bodyPr/>
+          <a:bodyPr anchor="t"/>
           <a:lstStyle>
             <a:lvl1pPr marL="0" indent="0">
               <a:buNone/>
@@ -2639,19 +2315,17 @@
             </a:lvl9pPr>
           </a:lstStyle>
           <a:p>
-            <a:endParaRPr lang="en-JP"/>
-          </a:p>
-        </p:txBody>
-      </p:sp>
-      <p:sp>
-        <p:nvSpPr>
-          <p:cNvPr id="4" name="Text Placeholder 3">
-            <a:extLst>
-              <a:ext uri="{FF2B5EF4-FFF2-40B4-BE49-F238E27FC236}">
-                <a16:creationId xmlns:a16="http://schemas.microsoft.com/office/drawing/2014/main" id="{82A63253-CA14-FD86-3529-466C191F899A}"/>
-              </a:ext>
-            </a:extLst>
-          </p:cNvPr>
+            <a:r>
+              <a:rPr lang="en-US"/>
+              <a:t>Click icon to add picture</a:t>
+            </a:r>
+            <a:endParaRPr lang="en-US" dirty="0"/>
+          </a:p>
+        </p:txBody>
+      </p:sp>
+      <p:sp>
+        <p:nvSpPr>
+          <p:cNvPr id="4" name="Text Placeholder 3"/>
           <p:cNvSpPr>
             <a:spLocks noGrp="1"/>
           </p:cNvSpPr>
@@ -2716,13 +2390,7 @@
       </p:sp>
       <p:sp>
         <p:nvSpPr>
-          <p:cNvPr id="5" name="Date Placeholder 4">
-            <a:extLst>
-              <a:ext uri="{FF2B5EF4-FFF2-40B4-BE49-F238E27FC236}">
-                <a16:creationId xmlns:a16="http://schemas.microsoft.com/office/drawing/2014/main" id="{3B31A730-93B3-7377-60E2-621F3A9AA993}"/>
-              </a:ext>
-            </a:extLst>
-          </p:cNvPr>
+          <p:cNvPr id="5" name="Date Placeholder 4"/>
           <p:cNvSpPr>
             <a:spLocks noGrp="1"/>
           </p:cNvSpPr>
@@ -2738,7 +2406,7 @@
             <a:fld id="{1D8BD707-D9CF-40AE-B4C6-C98DA3205C09}" type="datetimeFigureOut">
               <a:rPr lang="en-US" smtClean="0"/>
               <a:pPr/>
-              <a:t>7/3/23</a:t>
+              <a:t>7/19/23</a:t>
             </a:fld>
             <a:endParaRPr lang="en-US"/>
           </a:p>
@@ -2746,13 +2414,7 @@
       </p:sp>
       <p:sp>
         <p:nvSpPr>
-          <p:cNvPr id="6" name="Footer Placeholder 5">
-            <a:extLst>
-              <a:ext uri="{FF2B5EF4-FFF2-40B4-BE49-F238E27FC236}">
-                <a16:creationId xmlns:a16="http://schemas.microsoft.com/office/drawing/2014/main" id="{E09B7ECC-9D81-8E44-EBDA-7D803353983B}"/>
-              </a:ext>
-            </a:extLst>
-          </p:cNvPr>
+          <p:cNvPr id="6" name="Footer Placeholder 5"/>
           <p:cNvSpPr>
             <a:spLocks noGrp="1"/>
           </p:cNvSpPr>
@@ -2771,13 +2433,7 @@
       </p:sp>
       <p:sp>
         <p:nvSpPr>
-          <p:cNvPr id="7" name="Slide Number Placeholder 6">
-            <a:extLst>
-              <a:ext uri="{FF2B5EF4-FFF2-40B4-BE49-F238E27FC236}">
-                <a16:creationId xmlns:a16="http://schemas.microsoft.com/office/drawing/2014/main" id="{E9E40095-AB7A-5626-DEFC-8466F6928675}"/>
-              </a:ext>
-            </a:extLst>
-          </p:cNvPr>
+          <p:cNvPr id="7" name="Slide Number Placeholder 6"/>
           <p:cNvSpPr>
             <a:spLocks noGrp="1"/>
           </p:cNvSpPr>
@@ -2802,7 +2458,7 @@
     </p:spTree>
     <p:extLst>
       <p:ext uri="{BB962C8B-B14F-4D97-AF65-F5344CB8AC3E}">
-        <p14:creationId xmlns:p14="http://schemas.microsoft.com/office/powerpoint/2010/main" val="586176426"/>
+        <p14:creationId xmlns:p14="http://schemas.microsoft.com/office/powerpoint/2010/main" val="3196281070"/>
       </p:ext>
     </p:extLst>
   </p:cSld>
@@ -2816,33 +2472,9 @@
 <p:sldMaster xmlns:a="http://schemas.openxmlformats.org/drawingml/2006/main" xmlns:r="http://schemas.openxmlformats.org/officeDocument/2006/relationships" xmlns:p="http://schemas.openxmlformats.org/presentationml/2006/main">
   <p:cSld>
     <p:bg>
-      <p:bgPr>
-        <a:gradFill flip="none" rotWithShape="1">
-          <a:gsLst>
-            <a:gs pos="27000">
-              <a:srgbClr val="8529DB"/>
-            </a:gs>
-            <a:gs pos="0">
-              <a:schemeClr val="accent1">
-                <a:lumMod val="5000"/>
-                <a:lumOff val="95000"/>
-              </a:schemeClr>
-            </a:gs>
-            <a:gs pos="0">
-              <a:srgbClr val="00CDCD"/>
-            </a:gs>
-            <a:gs pos="67000">
-              <a:srgbClr val="521B93"/>
-            </a:gs>
-            <a:gs pos="100000">
-              <a:srgbClr val="011893"/>
-            </a:gs>
-          </a:gsLst>
-          <a:lin ang="5400000" scaled="1"/>
-          <a:tileRect/>
-        </a:gradFill>
-        <a:effectLst/>
-      </p:bgPr>
+      <p:bgRef idx="1001">
+        <a:schemeClr val="bg1"/>
+      </p:bgRef>
     </p:bg>
     <p:spTree>
       <p:nvGrpSpPr>
@@ -2860,13 +2492,7 @@
       </p:grpSpPr>
       <p:sp>
         <p:nvSpPr>
-          <p:cNvPr id="2" name="Title Placeholder 1">
-            <a:extLst>
-              <a:ext uri="{FF2B5EF4-FFF2-40B4-BE49-F238E27FC236}">
-                <a16:creationId xmlns:a16="http://schemas.microsoft.com/office/drawing/2014/main" id="{AE7F0BF2-AEDC-5FAB-A433-80C38C0822A0}"/>
-              </a:ext>
-            </a:extLst>
-          </p:cNvPr>
+          <p:cNvPr id="2" name="Title Placeholder 1"/>
           <p:cNvSpPr>
             <a:spLocks noGrp="1"/>
           </p:cNvSpPr>
@@ -2893,19 +2519,13 @@
               <a:rPr lang="en-US"/>
               <a:t>Click to edit Master title style</a:t>
             </a:r>
-            <a:endParaRPr lang="en-JP"/>
-          </a:p>
-        </p:txBody>
-      </p:sp>
-      <p:sp>
-        <p:nvSpPr>
-          <p:cNvPr id="3" name="Text Placeholder 2">
-            <a:extLst>
-              <a:ext uri="{FF2B5EF4-FFF2-40B4-BE49-F238E27FC236}">
-                <a16:creationId xmlns:a16="http://schemas.microsoft.com/office/drawing/2014/main" id="{3D42FD31-194C-1EB6-C18B-E315E9C27892}"/>
-              </a:ext>
-            </a:extLst>
-          </p:cNvPr>
+            <a:endParaRPr lang="en-US" dirty="0"/>
+          </a:p>
+        </p:txBody>
+      </p:sp>
+      <p:sp>
+        <p:nvSpPr>
+          <p:cNvPr id="3" name="Text Placeholder 2"/>
           <p:cNvSpPr>
             <a:spLocks noGrp="1"/>
           </p:cNvSpPr>
@@ -2961,19 +2581,13 @@
               <a:rPr lang="en-US"/>
               <a:t>Fifth level</a:t>
             </a:r>
-            <a:endParaRPr lang="en-JP"/>
-          </a:p>
-        </p:txBody>
-      </p:sp>
-      <p:sp>
-        <p:nvSpPr>
-          <p:cNvPr id="4" name="Date Placeholder 3">
-            <a:extLst>
-              <a:ext uri="{FF2B5EF4-FFF2-40B4-BE49-F238E27FC236}">
-                <a16:creationId xmlns:a16="http://schemas.microsoft.com/office/drawing/2014/main" id="{669EF0C4-E583-CAC8-1462-CFEA178DCF97}"/>
-              </a:ext>
-            </a:extLst>
-          </p:cNvPr>
+            <a:endParaRPr lang="en-US" dirty="0"/>
+          </a:p>
+        </p:txBody>
+      </p:sp>
+      <p:sp>
+        <p:nvSpPr>
+          <p:cNvPr id="4" name="Date Placeholder 3"/>
           <p:cNvSpPr>
             <a:spLocks noGrp="1"/>
           </p:cNvSpPr>
@@ -3007,7 +2621,7 @@
             <a:fld id="{1D8BD707-D9CF-40AE-B4C6-C98DA3205C09}" type="datetimeFigureOut">
               <a:rPr lang="en-US" smtClean="0"/>
               <a:pPr/>
-              <a:t>7/3/23</a:t>
+              <a:t>7/19/23</a:t>
             </a:fld>
             <a:endParaRPr lang="en-US"/>
           </a:p>
@@ -3015,13 +2629,7 @@
       </p:sp>
       <p:sp>
         <p:nvSpPr>
-          <p:cNvPr id="5" name="Footer Placeholder 4">
-            <a:extLst>
-              <a:ext uri="{FF2B5EF4-FFF2-40B4-BE49-F238E27FC236}">
-                <a16:creationId xmlns:a16="http://schemas.microsoft.com/office/drawing/2014/main" id="{A43ACD1F-3618-5A0E-3A21-6DF1E7075EBE}"/>
-              </a:ext>
-            </a:extLst>
-          </p:cNvPr>
+          <p:cNvPr id="5" name="Footer Placeholder 4"/>
           <p:cNvSpPr>
             <a:spLocks noGrp="1"/>
           </p:cNvSpPr>
@@ -3058,13 +2666,7 @@
       </p:sp>
       <p:sp>
         <p:nvSpPr>
-          <p:cNvPr id="6" name="Slide Number Placeholder 5">
-            <a:extLst>
-              <a:ext uri="{FF2B5EF4-FFF2-40B4-BE49-F238E27FC236}">
-                <a16:creationId xmlns:a16="http://schemas.microsoft.com/office/drawing/2014/main" id="{3D16D47E-4297-1AA7-E37F-CFDAE342905B}"/>
-              </a:ext>
-            </a:extLst>
-          </p:cNvPr>
+          <p:cNvPr id="6" name="Slide Number Placeholder 5"/>
           <p:cNvSpPr>
             <a:spLocks noGrp="1"/>
           </p:cNvSpPr>
@@ -3107,23 +2709,23 @@
     </p:spTree>
     <p:extLst>
       <p:ext uri="{BB962C8B-B14F-4D97-AF65-F5344CB8AC3E}">
-        <p14:creationId xmlns:p14="http://schemas.microsoft.com/office/powerpoint/2010/main" val="107794591"/>
+        <p14:creationId xmlns:p14="http://schemas.microsoft.com/office/powerpoint/2010/main" val="2221973447"/>
       </p:ext>
     </p:extLst>
   </p:cSld>
-  <p:clrMap bg1="lt1" tx1="dk1" bg2="lt2" tx2="dk2" accent1="accent1" accent2="accent2" accent3="accent3" accent4="accent4" accent5="accent5" accent6="accent6" hlink="hlink" folHlink="folHlink"/>
+  <p:clrMap bg1="dk1" tx1="lt1" bg2="dk2" tx2="lt2" accent1="accent1" accent2="accent2" accent3="accent3" accent4="accent4" accent5="accent5" accent6="accent6" hlink="hlink" folHlink="folHlink"/>
   <p:sldLayoutIdLst>
-    <p:sldLayoutId id="2147483762" r:id="rId1"/>
-    <p:sldLayoutId id="2147483763" r:id="rId2"/>
-    <p:sldLayoutId id="2147483764" r:id="rId3"/>
-    <p:sldLayoutId id="2147483765" r:id="rId4"/>
-    <p:sldLayoutId id="2147483766" r:id="rId5"/>
-    <p:sldLayoutId id="2147483767" r:id="rId6"/>
-    <p:sldLayoutId id="2147483768" r:id="rId7"/>
-    <p:sldLayoutId id="2147483769" r:id="rId8"/>
-    <p:sldLayoutId id="2147483770" r:id="rId9"/>
-    <p:sldLayoutId id="2147483771" r:id="rId10"/>
-    <p:sldLayoutId id="2147483772" r:id="rId11"/>
+    <p:sldLayoutId id="2147483774" r:id="rId1"/>
+    <p:sldLayoutId id="2147483775" r:id="rId2"/>
+    <p:sldLayoutId id="2147483776" r:id="rId3"/>
+    <p:sldLayoutId id="2147483777" r:id="rId4"/>
+    <p:sldLayoutId id="2147483778" r:id="rId5"/>
+    <p:sldLayoutId id="2147483779" r:id="rId6"/>
+    <p:sldLayoutId id="2147483780" r:id="rId7"/>
+    <p:sldLayoutId id="2147483781" r:id="rId8"/>
+    <p:sldLayoutId id="2147483782" r:id="rId9"/>
+    <p:sldLayoutId id="2147483783" r:id="rId10"/>
+    <p:sldLayoutId id="2147483784" r:id="rId11"/>
   </p:sldLayoutIdLst>
   <p:txStyles>
     <p:titleStyle>
@@ -3311,7 +2913,7 @@
     </p:bodyStyle>
     <p:otherStyle>
       <a:defPPr>
-        <a:defRPr lang="en-JP"/>
+        <a:defRPr lang="en-US"/>
       </a:defPPr>
       <a:lvl1pPr marL="0" algn="l" defTabSz="1371600" rtl="0" eaLnBrk="1" latinLnBrk="0" hangingPunct="1">
         <a:defRPr sz="2700" kern="1200">
@@ -3458,9 +3060,6 @@
           <a:lstStyle/>
           <a:p>
             <a:endParaRPr lang="en-JP" dirty="0">
-              <a:solidFill>
-                <a:schemeClr val="bg1"/>
-              </a:solidFill>
               <a:latin typeface="Britannic Bold" panose="020B0903060703020204" pitchFamily="34" charset="77"/>
             </a:endParaRPr>
           </a:p>
@@ -3557,9 +3156,6 @@
           <a:lstStyle/>
           <a:p>
             <a:endParaRPr lang="en-JP" dirty="0">
-              <a:solidFill>
-                <a:schemeClr val="bg1"/>
-              </a:solidFill>
               <a:latin typeface="Britannic Bold" panose="020B0903060703020204" pitchFamily="34" charset="77"/>
             </a:endParaRPr>
           </a:p>
@@ -3621,7 +3217,7 @@
 <file path=ppt/theme/theme1.xml><?xml version="1.0" encoding="utf-8"?>
 <a:theme xmlns:a="http://schemas.openxmlformats.org/drawingml/2006/main" name="Office Theme">
   <a:themeElements>
-    <a:clrScheme name="Office">
+    <a:clrScheme name="Office Theme">
       <a:dk1>
         <a:sysClr val="windowText" lastClr="000000"/>
       </a:dk1>
@@ -3659,7 +3255,7 @@
         <a:srgbClr val="954F72"/>
       </a:folHlink>
     </a:clrScheme>
-    <a:fontScheme name="Office">
+    <a:fontScheme name="Office Theme">
       <a:majorFont>
         <a:latin typeface="Calibri Light" panose="020F0302020204030204"/>
         <a:ea typeface=""/>
@@ -3694,23 +3290,6 @@
         <a:font script="Viet" typeface="Times New Roman"/>
         <a:font script="Uigh" typeface="Microsoft Uighur"/>
         <a:font script="Geor" typeface="Sylfaen"/>
-        <a:font script="Armn" typeface="Arial"/>
-        <a:font script="Bugi" typeface="Leelawadee UI"/>
-        <a:font script="Bopo" typeface="Microsoft JhengHei"/>
-        <a:font script="Java" typeface="Javanese Text"/>
-        <a:font script="Lisu" typeface="Segoe UI"/>
-        <a:font script="Mymr" typeface="Myanmar Text"/>
-        <a:font script="Nkoo" typeface="Ebrima"/>
-        <a:font script="Olck" typeface="Nirmala UI"/>
-        <a:font script="Osma" typeface="Ebrima"/>
-        <a:font script="Phag" typeface="Phagspa"/>
-        <a:font script="Syrn" typeface="Estrangelo Edessa"/>
-        <a:font script="Syrj" typeface="Estrangelo Edessa"/>
-        <a:font script="Syre" typeface="Estrangelo Edessa"/>
-        <a:font script="Sora" typeface="Nirmala UI"/>
-        <a:font script="Tale" typeface="Microsoft Tai Le"/>
-        <a:font script="Talu" typeface="Microsoft New Tai Lue"/>
-        <a:font script="Tfng" typeface="Ebrima"/>
       </a:majorFont>
       <a:minorFont>
         <a:latin typeface="Calibri" panose="020F0502020204030204"/>
@@ -3746,26 +3325,9 @@
         <a:font script="Viet" typeface="Arial"/>
         <a:font script="Uigh" typeface="Microsoft Uighur"/>
         <a:font script="Geor" typeface="Sylfaen"/>
-        <a:font script="Armn" typeface="Arial"/>
-        <a:font script="Bugi" typeface="Leelawadee UI"/>
-        <a:font script="Bopo" typeface="Microsoft JhengHei"/>
-        <a:font script="Java" typeface="Javanese Text"/>
-        <a:font script="Lisu" typeface="Segoe UI"/>
-        <a:font script="Mymr" typeface="Myanmar Text"/>
-        <a:font script="Nkoo" typeface="Ebrima"/>
-        <a:font script="Olck" typeface="Nirmala UI"/>
-        <a:font script="Osma" typeface="Ebrima"/>
-        <a:font script="Phag" typeface="Phagspa"/>
-        <a:font script="Syrn" typeface="Estrangelo Edessa"/>
-        <a:font script="Syrj" typeface="Estrangelo Edessa"/>
-        <a:font script="Syre" typeface="Estrangelo Edessa"/>
-        <a:font script="Sora" typeface="Nirmala UI"/>
-        <a:font script="Tale" typeface="Microsoft Tai Le"/>
-        <a:font script="Talu" typeface="Microsoft New Tai Lue"/>
-        <a:font script="Tfng" typeface="Ebrima"/>
       </a:minorFont>
     </a:fontScheme>
-    <a:fmtScheme name="Office">
+    <a:fmtScheme name="Office Theme">
       <a:fillStyleLst>
         <a:solidFill>
           <a:schemeClr val="phClr"/>
@@ -3907,7 +3469,7 @@
   <a:extraClrSchemeLst/>
   <a:extLst>
     <a:ext uri="{05A4C25C-085E-4340-85A3-A5531E510DB2}">
-      <thm15:themeFamily xmlns:thm15="http://schemas.microsoft.com/office/thememl/2012/main" name="Office Theme" id="{62F939B6-93AF-4DB8-9C6B-D6C7DFDC589F}" vid="{4A3C46E8-61CC-4603-A589-7422A47A8E4A}"/>
+      <thm15:themeFamily xmlns:thm15="http://schemas.microsoft.com/office/thememl/2012/main" name="Office Theme 2013 - 2022" id="{62F939B6-93AF-4DB8-9C6B-D6C7DFDC589F}" vid="{4F46216B-77A9-411A-B9D3-5023FCB70208}"/>
     </a:ext>
   </a:extLst>
 </a:theme>
